--- a/BDM/07-clustering.pptx
+++ b/BDM/07-clustering.pptx
@@ -5862,7 +5862,7 @@
             <a:fld id="{D3E28C4F-4FE9-4D22-93D8-487A4D01D983}" type="datetimeFigureOut">
               <a:rPr lang="en-US" smtClean="0"/>
               <a:pPr/>
-              <a:t>10/15/2024</a:t>
+              <a:t>10/18/2025</a:t>
             </a:fld>
             <a:endParaRPr lang="en-US"/>
           </a:p>
@@ -6029,7 +6029,7 @@
             <a:fld id="{EE18CB36-612C-4E4A-AC83-E89476AEC2BF}" type="datetimeFigureOut">
               <a:rPr lang="en-US" smtClean="0"/>
               <a:pPr/>
-              <a:t>10/15/2024</a:t>
+              <a:t>10/18/2025</a:t>
             </a:fld>
             <a:endParaRPr lang="en-US"/>
           </a:p>
@@ -6625,7 +6625,7 @@
           <a:p>
             <a:fld id="{BFC522A8-3B61-4F35-9883-D76A67E55D13}" type="datetime1">
               <a:rPr lang="en-US" smtClean="0"/>
-              <a:t>10/15/2024</a:t>
+              <a:t>10/18/2025</a:t>
             </a:fld>
             <a:endParaRPr lang="en-US"/>
           </a:p>
@@ -6846,7 +6846,7 @@
           <a:p>
             <a:fld id="{7CEF7A4D-2E34-40E4-899E-18D43609B456}" type="datetime1">
               <a:rPr lang="en-US" smtClean="0"/>
-              <a:t>10/15/2024</a:t>
+              <a:t>10/18/2025</a:t>
             </a:fld>
             <a:endParaRPr lang="en-US"/>
           </a:p>
@@ -7121,7 +7121,7 @@
           <a:p>
             <a:fld id="{525B215C-E023-4D12-BA1D-E4C0530F7691}" type="datetime1">
               <a:rPr lang="en-US" smtClean="0"/>
-              <a:t>10/15/2024</a:t>
+              <a:t>10/18/2025</a:t>
             </a:fld>
             <a:endParaRPr lang="en-US"/>
           </a:p>
@@ -7336,7 +7336,7 @@
           <a:p>
             <a:fld id="{AD5A4A11-037A-400A-9873-F88BE8032DFA}" type="datetime1">
               <a:rPr lang="en-US" smtClean="0"/>
-              <a:t>10/15/2024</a:t>
+              <a:t>10/18/2025</a:t>
             </a:fld>
             <a:endParaRPr lang="en-GB"/>
           </a:p>
@@ -7597,7 +7597,7 @@
           <a:p>
             <a:fld id="{D3CDE660-6CC4-40BF-8627-48442EE38211}" type="datetime1">
               <a:rPr lang="en-US" smtClean="0"/>
-              <a:t>10/15/2024</a:t>
+              <a:t>10/18/2025</a:t>
             </a:fld>
             <a:endParaRPr lang="en-US"/>
           </a:p>
@@ -7793,7 +7793,7 @@
           <a:p>
             <a:fld id="{0DAE0ECA-AC6D-4B57-A8CE-0D40A92A373D}" type="datetime1">
               <a:rPr lang="en-US" smtClean="0"/>
-              <a:t>10/15/2024</a:t>
+              <a:t>10/18/2025</a:t>
             </a:fld>
             <a:endParaRPr lang="en-US"/>
           </a:p>
@@ -8152,7 +8152,7 @@
           <a:p>
             <a:fld id="{BDDF21BB-293F-405C-8578-683E54877F20}" type="datetime1">
               <a:rPr lang="en-US" smtClean="0"/>
-              <a:t>10/15/2024</a:t>
+              <a:t>10/18/2025</a:t>
             </a:fld>
             <a:endParaRPr lang="en-US"/>
           </a:p>
@@ -8440,7 +8440,7 @@
           <a:p>
             <a:fld id="{26348752-9CC5-48A9-BEC9-1F3C1CF413E4}" type="datetime1">
               <a:rPr lang="en-US" smtClean="0"/>
-              <a:t>10/15/2024</a:t>
+              <a:t>10/18/2025</a:t>
             </a:fld>
             <a:endParaRPr lang="en-US"/>
           </a:p>
@@ -8865,7 +8865,7 @@
           <a:p>
             <a:fld id="{A4B29D67-6E56-4CF6-8222-9DC2D0BC8CC0}" type="datetime1">
               <a:rPr lang="en-US" smtClean="0"/>
-              <a:t>10/15/2024</a:t>
+              <a:t>10/18/2025</a:t>
             </a:fld>
             <a:endParaRPr lang="en-US"/>
           </a:p>
@@ -8981,7 +8981,7 @@
           <a:p>
             <a:fld id="{89BFBA5A-BB70-4790-9738-9C58ACFAB389}" type="datetime1">
               <a:rPr lang="en-US" smtClean="0"/>
-              <a:t>10/15/2024</a:t>
+              <a:t>10/18/2025</a:t>
             </a:fld>
             <a:endParaRPr lang="en-US"/>
           </a:p>
@@ -9075,7 +9075,7 @@
           <a:p>
             <a:fld id="{DA6F2447-3D18-42DF-AB4F-3B92F0EA35E8}" type="datetime1">
               <a:rPr lang="en-US" smtClean="0"/>
-              <a:t>10/15/2024</a:t>
+              <a:t>10/18/2025</a:t>
             </a:fld>
             <a:endParaRPr lang="en-US"/>
           </a:p>
@@ -9356,7 +9356,7 @@
           <a:p>
             <a:fld id="{7C5121C4-3FEF-4658-8EF0-2187CCB9761B}" type="datetime1">
               <a:rPr lang="en-US" smtClean="0"/>
-              <a:t>10/15/2024</a:t>
+              <a:t>10/18/2025</a:t>
             </a:fld>
             <a:endParaRPr lang="en-US"/>
           </a:p>
@@ -9721,7 +9721,7 @@
           <a:p>
             <a:fld id="{982D7FB6-AB3E-4073-8B70-8B08061EA4C6}" type="datetime1">
               <a:rPr lang="en-US" smtClean="0"/>
-              <a:t>10/15/2024</a:t>
+              <a:t>10/18/2025</a:t>
             </a:fld>
             <a:endParaRPr lang="en-US"/>
           </a:p>
@@ -10150,7 +10150,7 @@
           <a:p>
             <a:fld id="{C0CC2D87-19F2-4B49-95D3-FBDE96F43229}" type="datetime1">
               <a:rPr lang="en-US" smtClean="0"/>
-              <a:t>10/15/2024</a:t>
+              <a:t>10/18/2025</a:t>
             </a:fld>
             <a:endParaRPr lang="en-US"/>
           </a:p>
@@ -15505,7 +15505,7 @@
           <a:graphicData uri="http://schemas.openxmlformats.org/presentationml/2006/ole">
             <mc:AlternateContent xmlns:mc="http://schemas.openxmlformats.org/markup-compatibility/2006">
               <mc:Choice xmlns:v="urn:schemas-microsoft-com:vml" Requires="v">
-                <p:oleObj spid="_x0000_s27795" name="Equation" r:id="rId3" imgW="952200" imgH="342720" progId="Equation.3">
+                <p:oleObj spid="_x0000_s27796" name="Equation" r:id="rId3" imgW="952200" imgH="342720" progId="Equation.3">
                   <p:embed/>
                 </p:oleObj>
               </mc:Choice>
@@ -15590,7 +15590,28 @@
                 <a:latin typeface="Arial" pitchFamily="34" charset="0"/>
                 <a:cs typeface="Arial" pitchFamily="34" charset="0"/>
               </a:rPr>
-              <a:t> is the avg. of all (data)points in the cluster. This means centroid is an “artificial” point.</a:t>
+              <a:t> is the avg. of all (data)points in the cluster </a:t>
+            </a:r>
+            <a:r>
+              <a:rPr lang="en-US" sz="1600" dirty="0">
+                <a:solidFill>
+                  <a:srgbClr val="008000"/>
+                </a:solidFill>
+                <a:latin typeface="Arial" pitchFamily="34" charset="0"/>
+                <a:cs typeface="Arial" pitchFamily="34" charset="0"/>
+                <a:sym typeface="Wingdings" panose="05000000000000000000" pitchFamily="2" charset="2"/>
+              </a:rPr>
+              <a:t></a:t>
+            </a:r>
+            <a:r>
+              <a:rPr lang="en-US" sz="1600" dirty="0">
+                <a:solidFill>
+                  <a:srgbClr val="008000"/>
+                </a:solidFill>
+                <a:latin typeface="Arial" pitchFamily="34" charset="0"/>
+                <a:cs typeface="Arial" pitchFamily="34" charset="0"/>
+              </a:rPr>
+              <a:t> centroid is an “artificial” point</a:t>
             </a:r>
           </a:p>
           <a:p>
@@ -15632,7 +15653,7 @@
                 <a:latin typeface="Arial" pitchFamily="34" charset="0"/>
                 <a:cs typeface="Arial" pitchFamily="34" charset="0"/>
               </a:rPr>
-              <a:t> (data)point that is “closest” to all other points in the cluster.</a:t>
+              <a:t> (data)point that is “closest” to all other points in the cluster</a:t>
             </a:r>
           </a:p>
         </p:txBody>
@@ -29732,7 +29753,7 @@
                 <a:latin typeface="Arial" pitchFamily="34" charset="0"/>
                 <a:cs typeface="Arial" pitchFamily="34" charset="0"/>
               </a:rPr>
-              <a:t>  Close enough to a centroid to be summarized.</a:t>
+              <a:t>  Close enough to a centroid to be summarized</a:t>
             </a:r>
           </a:p>
           <a:p>
@@ -30485,7 +30506,7 @@
           <p:spPr bwMode="auto">
             <a:xfrm>
               <a:off x="336" y="3408"/>
-              <a:ext cx="1369" cy="407"/>
+              <a:ext cx="1562" cy="407"/>
             </a:xfrm>
             <a:prstGeom prst="rect">
               <a:avLst/>
@@ -30513,7 +30534,7 @@
                   <a:latin typeface="Arial" pitchFamily="34" charset="0"/>
                   <a:cs typeface="Arial" pitchFamily="34" charset="0"/>
                 </a:rPr>
-                <a:t>A cluster.  Its points</a:t>
+                <a:t>A cluster whose points</a:t>
               </a:r>
             </a:p>
             <a:p>
@@ -30537,16 +30558,13 @@
                 </a:rPr>
                 <a:t>DS</a:t>
               </a:r>
-              <a:r>
-                <a:rPr lang="en-US" dirty="0">
-                  <a:solidFill>
-                    <a:srgbClr val="008000"/>
-                  </a:solidFill>
-                  <a:latin typeface="Arial" pitchFamily="34" charset="0"/>
-                  <a:cs typeface="Arial" pitchFamily="34" charset="0"/>
-                </a:rPr>
-                <a:t>.</a:t>
-              </a:r>
+              <a:endParaRPr lang="en-US" dirty="0">
+                <a:solidFill>
+                  <a:srgbClr val="008000"/>
+                </a:solidFill>
+                <a:latin typeface="Arial" pitchFamily="34" charset="0"/>
+                <a:cs typeface="Arial" pitchFamily="34" charset="0"/>
+              </a:endParaRPr>
             </a:p>
           </p:txBody>
         </p:sp>
@@ -31194,7 +31212,7 @@
           <p:spPr bwMode="auto">
             <a:xfrm>
               <a:off x="1920" y="1920"/>
-              <a:ext cx="1288" cy="582"/>
+              <a:ext cx="1368" cy="582"/>
             </a:xfrm>
             <a:prstGeom prst="rect">
               <a:avLst/>
@@ -31222,10 +31240,17 @@
                   <a:latin typeface="Arial" pitchFamily="34" charset="0"/>
                   <a:cs typeface="Arial" pitchFamily="34" charset="0"/>
                 </a:rPr>
-                <a:t>Compressed sets.</a:t>
+                <a:t>Compressed sets</a:t>
               </a:r>
-            </a:p>
-            <a:p>
+              <a:br>
+                <a:rPr lang="en-US" dirty="0">
+                  <a:solidFill>
+                    <a:srgbClr val="008000"/>
+                  </a:solidFill>
+                  <a:latin typeface="Arial" pitchFamily="34" charset="0"/>
+                  <a:cs typeface="Arial" pitchFamily="34" charset="0"/>
+                </a:rPr>
+              </a:br>
               <a:r>
                 <a:rPr lang="en-US" dirty="0">
                   <a:solidFill>
@@ -31234,7 +31259,7 @@
                   <a:latin typeface="Arial" pitchFamily="34" charset="0"/>
                   <a:cs typeface="Arial" pitchFamily="34" charset="0"/>
                 </a:rPr>
-                <a:t>Their points are in</a:t>
+                <a:t>whose points are in</a:t>
               </a:r>
             </a:p>
             <a:p>
@@ -31258,16 +31283,13 @@
                 </a:rPr>
                 <a:t>CS</a:t>
               </a:r>
-              <a:r>
-                <a:rPr lang="en-US" dirty="0">
-                  <a:solidFill>
-                    <a:srgbClr val="008000"/>
-                  </a:solidFill>
-                  <a:latin typeface="Arial" pitchFamily="34" charset="0"/>
-                  <a:cs typeface="Arial" pitchFamily="34" charset="0"/>
-                </a:rPr>
-                <a:t>.</a:t>
-              </a:r>
+              <a:endParaRPr lang="en-US" dirty="0">
+                <a:solidFill>
+                  <a:srgbClr val="008000"/>
+                </a:solidFill>
+                <a:latin typeface="Arial" pitchFamily="34" charset="0"/>
+                <a:cs typeface="Arial" pitchFamily="34" charset="0"/>
+              </a:endParaRPr>
             </a:p>
           </p:txBody>
         </p:sp>
@@ -41265,7 +41287,7 @@
                 <a:latin typeface="Arial" pitchFamily="34" charset="0"/>
                 <a:cs typeface="Arial" pitchFamily="34" charset="0"/>
               </a:rPr>
-              <a:t>cluster.</a:t>
+              <a:t>cluster</a:t>
             </a:r>
           </a:p>
         </p:txBody>
@@ -43042,7 +43064,7 @@
                 <a:latin typeface="Arial" pitchFamily="34" charset="0"/>
                 <a:cs typeface="Arial" pitchFamily="34" charset="0"/>
               </a:rPr>
-              <a:t>centroid.</a:t>
+              <a:t>centroid</a:t>
             </a:r>
           </a:p>
         </p:txBody>
